--- a/Meeting/Presentation_0802.pptx
+++ b/Meeting/Presentation_0802.pptx
@@ -216,7 +216,7 @@
           <a:p>
             <a:fld id="{FD5F46E7-AC74-B24A-8D7A-61E847F3340B}" type="datetimeFigureOut">
               <a:rPr lang="en-TW" smtClean="0"/>
-              <a:t>2023/7/25</a:t>
+              <a:t>2023/7/27</a:t>
             </a:fld>
             <a:endParaRPr lang="en-TW"/>
           </a:p>
@@ -2220,7 +2220,7 @@
           <a:p>
             <a:fld id="{A3414EF8-F8EE-1948-B7F8-CDE2BA55EBA3}" type="datetime1">
               <a:rPr lang="en-US" smtClean="0"/>
-              <a:t>7/25/23</a:t>
+              <a:t>7/27/23</a:t>
             </a:fld>
             <a:endParaRPr lang="en-TW"/>
           </a:p>
@@ -2420,7 +2420,7 @@
           <a:p>
             <a:fld id="{A73D7AD7-2116-5A41-8EDE-6BB6E81970E0}" type="datetime1">
               <a:rPr lang="en-US" smtClean="0"/>
-              <a:t>7/25/23</a:t>
+              <a:t>7/27/23</a:t>
             </a:fld>
             <a:endParaRPr lang="en-TW"/>
           </a:p>
@@ -2630,7 +2630,7 @@
           <a:p>
             <a:fld id="{F8B54AFA-ACA5-D643-AFA2-7E457DD24DF7}" type="datetime1">
               <a:rPr lang="en-US" smtClean="0"/>
-              <a:t>7/25/23</a:t>
+              <a:t>7/27/23</a:t>
             </a:fld>
             <a:endParaRPr lang="en-TW"/>
           </a:p>
@@ -2830,7 +2830,7 @@
           <a:p>
             <a:fld id="{9D5A1D64-0D43-8343-8F3E-0CF7D359B229}" type="datetime1">
               <a:rPr lang="en-US" smtClean="0"/>
-              <a:t>7/25/23</a:t>
+              <a:t>7/27/23</a:t>
             </a:fld>
             <a:endParaRPr lang="en-TW"/>
           </a:p>
@@ -3106,7 +3106,7 @@
           <a:p>
             <a:fld id="{7AADA2B9-C19E-4847-96A2-4C98048AC6CB}" type="datetime1">
               <a:rPr lang="en-US" smtClean="0"/>
-              <a:t>7/25/23</a:t>
+              <a:t>7/27/23</a:t>
             </a:fld>
             <a:endParaRPr lang="en-TW"/>
           </a:p>
@@ -3374,7 +3374,7 @@
           <a:p>
             <a:fld id="{6B0934B1-02FE-FD4D-9B2E-AB7942E9D2EE}" type="datetime1">
               <a:rPr lang="en-US" smtClean="0"/>
-              <a:t>7/25/23</a:t>
+              <a:t>7/27/23</a:t>
             </a:fld>
             <a:endParaRPr lang="en-TW"/>
           </a:p>
@@ -3789,7 +3789,7 @@
           <a:p>
             <a:fld id="{3ECB55BE-0370-354B-B7DC-74287DCA0691}" type="datetime1">
               <a:rPr lang="en-US" smtClean="0"/>
-              <a:t>7/25/23</a:t>
+              <a:t>7/27/23</a:t>
             </a:fld>
             <a:endParaRPr lang="en-TW"/>
           </a:p>
@@ -3931,7 +3931,7 @@
           <a:p>
             <a:fld id="{39E9E947-CD42-C640-AA68-FF39D56394B9}" type="datetime1">
               <a:rPr lang="en-US" smtClean="0"/>
-              <a:t>7/25/23</a:t>
+              <a:t>7/27/23</a:t>
             </a:fld>
             <a:endParaRPr lang="en-TW"/>
           </a:p>
@@ -4044,7 +4044,7 @@
           <a:p>
             <a:fld id="{B3588767-BFAB-074B-897C-98257EF1C28A}" type="datetime1">
               <a:rPr lang="en-US" smtClean="0"/>
-              <a:t>7/25/23</a:t>
+              <a:t>7/27/23</a:t>
             </a:fld>
             <a:endParaRPr lang="en-TW"/>
           </a:p>
@@ -4357,7 +4357,7 @@
           <a:p>
             <a:fld id="{B6DC1063-3940-FF48-A04A-958D086D794C}" type="datetime1">
               <a:rPr lang="en-US" smtClean="0"/>
-              <a:t>7/25/23</a:t>
+              <a:t>7/27/23</a:t>
             </a:fld>
             <a:endParaRPr lang="en-TW"/>
           </a:p>
@@ -4646,7 +4646,7 @@
           <a:p>
             <a:fld id="{DDCCE3AD-49F2-434D-BD1B-37AEE374DAF5}" type="datetime1">
               <a:rPr lang="en-US" smtClean="0"/>
-              <a:t>7/25/23</a:t>
+              <a:t>7/27/23</a:t>
             </a:fld>
             <a:endParaRPr lang="en-TW"/>
           </a:p>
@@ -4889,7 +4889,7 @@
           <a:p>
             <a:fld id="{C44A6C80-6E0D-374C-9F82-A170BB459CEA}" type="datetime1">
               <a:rPr lang="en-US" smtClean="0"/>
-              <a:t>7/25/23</a:t>
+              <a:t>7/27/23</a:t>
             </a:fld>
             <a:endParaRPr lang="en-TW"/>
           </a:p>
@@ -5358,7 +5358,7 @@
           <a:p>
             <a:r>
               <a:rPr lang="en-TW" dirty="0"/>
-              <a:t>白宗民 </a:t>
+              <a:t>Vincent Pai </a:t>
             </a:r>
           </a:p>
           <a:p>
